--- a/reference_content/Slides/simple_nn_basics.pptx
+++ b/reference_content/Slides/simple_nn_basics.pptx
@@ -27,8 +27,7 @@
     <p:sldId id="269" r:id="rId21"/>
     <p:sldId id="272" r:id="rId22"/>
     <p:sldId id="274" r:id="rId23"/>
-    <p:sldId id="275" r:id="rId24"/>
-    <p:sldId id="285" r:id="rId25"/>
+    <p:sldId id="285" r:id="rId24"/>
   </p:sldIdLst>
   <p:sldSz cx="12192000" cy="6858000"/>
   <p:notesSz cx="6858000" cy="9144000"/>
@@ -130,9 +129,6 @@
   <p:extLst>
     <p:ext uri="{521415D9-36F7-43E2-AB2F-B90AF26B5E84}">
       <p14:sectionLst xmlns:p14="http://schemas.microsoft.com/office/powerpoint/2010/main">
-        <p14:section name="Default Section" id="{0A87583C-64A9-734F-B8CD-37FF66439F00}">
-          <p14:sldIdLst/>
-        </p14:section>
         <p14:section name="Intro" id="{757E46FF-1C30-4247-8740-D2E41F093EF9}">
           <p14:sldIdLst>
             <p14:sldId id="256"/>
@@ -177,7 +173,6 @@
           <p14:sldIdLst>
             <p14:sldId id="272"/>
             <p14:sldId id="274"/>
-            <p14:sldId id="275"/>
           </p14:sldIdLst>
         </p14:section>
         <p14:section name="Conclusion" id="{8C48C446-B784-7B4C-82F2-675D2B59FC0E}">
@@ -186,6 +181,9 @@
           </p14:sldIdLst>
         </p14:section>
       </p14:sectionLst>
+    </p:ext>
+    <p:ext uri="{EFAFB233-063F-42B5-8137-9DF3F51BA10A}">
+      <p15:sldGuideLst xmlns:p15="http://schemas.microsoft.com/office/powerpoint/2012/main"/>
     </p:ext>
   </p:extLst>
 </p:presentation>
@@ -330,7 +328,7 @@
           <a:p>
             <a:fld id="{AFCFCE2D-6B28-0D44-AC18-4552BB8421D3}" type="datetimeFigureOut">
               <a:rPr lang="en-US" smtClean="0"/>
-              <a:t>3/11/22</a:t>
+              <a:t>3/15/22</a:t>
             </a:fld>
             <a:endParaRPr lang="en-US"/>
           </a:p>
@@ -541,7 +539,7 @@
           <a:p>
             <a:fld id="{AFCFCE2D-6B28-0D44-AC18-4552BB8421D3}" type="datetimeFigureOut">
               <a:rPr lang="en-US" smtClean="0"/>
-              <a:t>3/11/22</a:t>
+              <a:t>3/15/22</a:t>
             </a:fld>
             <a:endParaRPr lang="en-US"/>
           </a:p>
@@ -756,7 +754,7 @@
           <a:p>
             <a:fld id="{AFCFCE2D-6B28-0D44-AC18-4552BB8421D3}" type="datetimeFigureOut">
               <a:rPr lang="en-US" smtClean="0"/>
-              <a:t>3/11/22</a:t>
+              <a:t>3/15/22</a:t>
             </a:fld>
             <a:endParaRPr lang="en-US"/>
           </a:p>
@@ -957,7 +955,7 @@
           <a:p>
             <a:fld id="{AFCFCE2D-6B28-0D44-AC18-4552BB8421D3}" type="datetimeFigureOut">
               <a:rPr lang="en-US" smtClean="0"/>
-              <a:t>3/11/22</a:t>
+              <a:t>3/15/22</a:t>
             </a:fld>
             <a:endParaRPr lang="en-US"/>
           </a:p>
@@ -1236,7 +1234,7 @@
           <a:p>
             <a:fld id="{AFCFCE2D-6B28-0D44-AC18-4552BB8421D3}" type="datetimeFigureOut">
               <a:rPr lang="en-US" smtClean="0"/>
-              <a:t>3/11/22</a:t>
+              <a:t>3/15/22</a:t>
             </a:fld>
             <a:endParaRPr lang="en-US"/>
           </a:p>
@@ -1504,7 +1502,7 @@
           <a:p>
             <a:fld id="{AFCFCE2D-6B28-0D44-AC18-4552BB8421D3}" type="datetimeFigureOut">
               <a:rPr lang="en-US" smtClean="0"/>
-              <a:t>3/11/22</a:t>
+              <a:t>3/15/22</a:t>
             </a:fld>
             <a:endParaRPr lang="en-US"/>
           </a:p>
@@ -1920,7 +1918,7 @@
           <a:p>
             <a:fld id="{AFCFCE2D-6B28-0D44-AC18-4552BB8421D3}" type="datetimeFigureOut">
               <a:rPr lang="en-US" smtClean="0"/>
-              <a:t>3/11/22</a:t>
+              <a:t>3/15/22</a:t>
             </a:fld>
             <a:endParaRPr lang="en-US"/>
           </a:p>
@@ -2069,7 +2067,7 @@
           <a:p>
             <a:fld id="{AFCFCE2D-6B28-0D44-AC18-4552BB8421D3}" type="datetimeFigureOut">
               <a:rPr lang="en-US" smtClean="0"/>
-              <a:t>3/11/22</a:t>
+              <a:t>3/15/22</a:t>
             </a:fld>
             <a:endParaRPr lang="en-US"/>
           </a:p>
@@ -2195,7 +2193,7 @@
           <a:p>
             <a:fld id="{AFCFCE2D-6B28-0D44-AC18-4552BB8421D3}" type="datetimeFigureOut">
               <a:rPr lang="en-US" smtClean="0"/>
-              <a:t>3/11/22</a:t>
+              <a:t>3/15/22</a:t>
             </a:fld>
             <a:endParaRPr lang="en-US"/>
           </a:p>
@@ -2446,7 +2444,7 @@
           <a:p>
             <a:fld id="{AFCFCE2D-6B28-0D44-AC18-4552BB8421D3}" type="datetimeFigureOut">
               <a:rPr lang="en-US" smtClean="0"/>
-              <a:t>3/11/22</a:t>
+              <a:t>3/15/22</a:t>
             </a:fld>
             <a:endParaRPr lang="en-US"/>
           </a:p>
@@ -2891,7 +2889,7 @@
           <a:p>
             <a:fld id="{AFCFCE2D-6B28-0D44-AC18-4552BB8421D3}" type="datetimeFigureOut">
               <a:rPr lang="en-US" smtClean="0"/>
-              <a:t>3/11/22</a:t>
+              <a:t>3/15/22</a:t>
             </a:fld>
             <a:endParaRPr lang="en-US"/>
           </a:p>
@@ -3218,7 +3216,7 @@
           <a:p>
             <a:fld id="{AFCFCE2D-6B28-0D44-AC18-4552BB8421D3}" type="datetimeFigureOut">
               <a:rPr lang="en-US" smtClean="0"/>
-              <a:t>3/11/22</a:t>
+              <a:t>3/15/22</a:t>
             </a:fld>
             <a:endParaRPr lang="en-US"/>
           </a:p>
@@ -6106,131 +6104,6 @@
           <p:cNvPr id="2" name="Title 1">
             <a:extLst>
               <a:ext uri="{FF2B5EF4-FFF2-40B4-BE49-F238E27FC236}">
-                <a16:creationId xmlns:a16="http://schemas.microsoft.com/office/drawing/2014/main" id="{D542B9B8-2F5C-AD49-BE0D-98623BAAF7B5}"/>
-              </a:ext>
-            </a:extLst>
-          </p:cNvPr>
-          <p:cNvSpPr>
-            <a:spLocks noGrp="1"/>
-          </p:cNvSpPr>
-          <p:nvPr>
-            <p:ph type="title"/>
-          </p:nvPr>
-        </p:nvSpPr>
-        <p:spPr/>
-        <p:txBody>
-          <a:bodyPr/>
-          <a:lstStyle/>
-          <a:p>
-            <a:endParaRPr lang="en-US"/>
-          </a:p>
-        </p:txBody>
-      </p:sp>
-      <p:sp>
-        <p:nvSpPr>
-          <p:cNvPr id="3" name="Content Placeholder 2">
-            <a:extLst>
-              <a:ext uri="{FF2B5EF4-FFF2-40B4-BE49-F238E27FC236}">
-                <a16:creationId xmlns:a16="http://schemas.microsoft.com/office/drawing/2014/main" id="{049ED73C-0B5A-E640-8C9A-95D7CC14BECC}"/>
-              </a:ext>
-            </a:extLst>
-          </p:cNvPr>
-          <p:cNvSpPr>
-            <a:spLocks noGrp="1"/>
-          </p:cNvSpPr>
-          <p:nvPr>
-            <p:ph idx="1"/>
-          </p:nvPr>
-        </p:nvSpPr>
-        <p:spPr/>
-        <p:txBody>
-          <a:bodyPr/>
-          <a:lstStyle/>
-          <a:p>
-            <a:endParaRPr lang="en-US"/>
-          </a:p>
-        </p:txBody>
-      </p:sp>
-      <p:pic>
-        <p:nvPicPr>
-          <p:cNvPr id="7170" name="Picture 2" descr="Why a Neural Network is Always Better than Logistic Regression | James D.  McCaffrey">
-            <a:extLst>
-              <a:ext uri="{FF2B5EF4-FFF2-40B4-BE49-F238E27FC236}">
-                <a16:creationId xmlns:a16="http://schemas.microsoft.com/office/drawing/2014/main" id="{5C5D4985-677C-3044-A7B3-EA1CF18C6553}"/>
-              </a:ext>
-            </a:extLst>
-          </p:cNvPr>
-          <p:cNvPicPr>
-            <a:picLocks noChangeAspect="1" noChangeArrowheads="1"/>
-          </p:cNvPicPr>
-          <p:nvPr/>
-        </p:nvPicPr>
-        <p:blipFill rotWithShape="1">
-          <a:blip r:embed="rId2">
-            <a:extLst>
-              <a:ext uri="{28A0092B-C50C-407E-A947-70E740481C1C}">
-                <a14:useLocalDpi xmlns:a14="http://schemas.microsoft.com/office/drawing/2010/main" val="0"/>
-              </a:ext>
-            </a:extLst>
-          </a:blip>
-          <a:srcRect l="4117" t="2752" r="4117" b="2858"/>
-          <a:stretch/>
-        </p:blipFill>
-        <p:spPr bwMode="auto">
-          <a:xfrm>
-            <a:off x="145143" y="-17860"/>
-            <a:ext cx="11901714" cy="6875860"/>
-          </a:xfrm>
-          <a:prstGeom prst="rect">
-            <a:avLst/>
-          </a:prstGeom>
-          <a:noFill/>
-          <a:extLst>
-            <a:ext uri="{909E8E84-426E-40DD-AFC4-6F175D3DCCD1}">
-              <a14:hiddenFill xmlns:a14="http://schemas.microsoft.com/office/drawing/2010/main">
-                <a:solidFill>
-                  <a:srgbClr val="FFFFFF"/>
-                </a:solidFill>
-              </a14:hiddenFill>
-            </a:ext>
-          </a:extLst>
-        </p:spPr>
-      </p:pic>
-    </p:spTree>
-    <p:extLst>
-      <p:ext uri="{BB962C8B-B14F-4D97-AF65-F5344CB8AC3E}">
-        <p14:creationId xmlns:p14="http://schemas.microsoft.com/office/powerpoint/2010/main" val="2040302879"/>
-      </p:ext>
-    </p:extLst>
-  </p:cSld>
-  <p:clrMapOvr>
-    <a:masterClrMapping/>
-  </p:clrMapOvr>
-</p:sld>
-</file>
-
-<file path=ppt/slides/slide24.xml><?xml version="1.0" encoding="utf-8"?>
-<p:sld xmlns:a="http://schemas.openxmlformats.org/drawingml/2006/main" xmlns:r="http://schemas.openxmlformats.org/officeDocument/2006/relationships" xmlns:p="http://schemas.openxmlformats.org/presentationml/2006/main">
-  <p:cSld>
-    <p:spTree>
-      <p:nvGrpSpPr>
-        <p:cNvPr id="1" name=""/>
-        <p:cNvGrpSpPr/>
-        <p:nvPr/>
-      </p:nvGrpSpPr>
-      <p:grpSpPr>
-        <a:xfrm>
-          <a:off x="0" y="0"/>
-          <a:ext cx="0" cy="0"/>
-          <a:chOff x="0" y="0"/>
-          <a:chExt cx="0" cy="0"/>
-        </a:xfrm>
-      </p:grpSpPr>
-      <p:sp>
-        <p:nvSpPr>
-          <p:cNvPr id="2" name="Title 1">
-            <a:extLst>
-              <a:ext uri="{FF2B5EF4-FFF2-40B4-BE49-F238E27FC236}">
                 <a16:creationId xmlns:a16="http://schemas.microsoft.com/office/drawing/2014/main" id="{BEF20CCA-FACF-6742-A0DE-18FA74BF26C0}"/>
               </a:ext>
             </a:extLst>
